--- a/2021-Raffaele_Francesco_Barbagallo-COVID_19_Forecasting_GNN.pptx
+++ b/2021-Raffaele_Francesco_Barbagallo-COVID_19_Forecasting_GNN.pptx
@@ -215,7 +215,7 @@
           <a:p>
             <a:fld id="{CBA55415-38FF-49B4-A93B-39CCADFA8440}" type="datetimeFigureOut">
               <a:rPr lang="it-IT" smtClean="0"/>
-              <a:t>23/05/2021</a:t>
+              <a:t>25/05/2021</a:t>
             </a:fld>
             <a:endParaRPr lang="it-IT"/>
           </a:p>
@@ -16913,8 +16913,8 @@
           </a:p>
           <a:p>
             <a:r>
-              <a:rPr lang="en-US" sz="2000" b="1" dirty="0"/>
-              <a:t>Layers</a:t>
+              <a:rPr lang="en-US" sz="2000" b="1"/>
+              <a:t>Graph Layers</a:t>
             </a:r>
             <a:r>
               <a:rPr lang="en-US" sz="2000" dirty="0"/>

--- a/2021-Raffaele_Francesco_Barbagallo-COVID_19_Forecasting_GNN.pptx
+++ b/2021-Raffaele_Francesco_Barbagallo-COVID_19_Forecasting_GNN.pptx
@@ -11622,45 +11622,45 @@
           <a:lstStyle/>
           <a:p>
             <a:r>
-              <a:rPr lang="en-US" b="1" dirty="0"/>
+              <a:rPr lang="en-US" sz="3200" b="1" dirty="0"/>
               <a:t>Common node features</a:t>
             </a:r>
             <a:r>
-              <a:rPr lang="en-US" dirty="0"/>
+              <a:rPr lang="en-US" sz="3200" dirty="0"/>
               <a:t>: each node contains data about state, county, day, past cases and past deaths. </a:t>
             </a:r>
             <a:br>
-              <a:rPr lang="en-US" dirty="0"/>
+              <a:rPr lang="en-US" sz="3200" dirty="0"/>
             </a:br>
-            <a:endParaRPr lang="en-US" dirty="0"/>
-          </a:p>
-          <a:p>
-            <a:r>
-              <a:rPr lang="en-US" b="1" dirty="0"/>
+            <a:endParaRPr lang="en-US" sz="3200" dirty="0"/>
+          </a:p>
+          <a:p>
+            <a:r>
+              <a:rPr lang="en-US" sz="3200" b="1" dirty="0"/>
               <a:t>Aggregated mobility research dataset:</a:t>
             </a:r>
             <a:r>
-              <a:rPr lang="en-US" dirty="0"/>
+              <a:rPr lang="en-US" sz="3200" dirty="0"/>
               <a:t> edges that contain information about the flow between counties and between states.</a:t>
             </a:r>
             <a:br>
-              <a:rPr lang="en-US" dirty="0"/>
+              <a:rPr lang="en-US" sz="3200" dirty="0"/>
             </a:br>
-            <a:endParaRPr lang="en-US" dirty="0"/>
-          </a:p>
-          <a:p>
-            <a:r>
-              <a:rPr lang="en-US" b="1" dirty="0"/>
+            <a:endParaRPr lang="en-US" sz="3200" dirty="0"/>
+          </a:p>
+          <a:p>
+            <a:r>
+              <a:rPr lang="en-US" sz="3200" b="1" dirty="0"/>
               <a:t>Community mobility reports: </a:t>
             </a:r>
             <a:r>
-              <a:rPr lang="en-US" dirty="0"/>
+              <a:rPr lang="en-US" sz="3200" dirty="0"/>
               <a:t>trends at various categories of places aggregated at the county (node) level. </a:t>
             </a:r>
           </a:p>
           <a:p>
             <a:pPr lvl="1"/>
-            <a:endParaRPr lang="en-US" dirty="0">
+            <a:endParaRPr lang="en-US" sz="2800" dirty="0">
               <a:solidFill>
                 <a:srgbClr val="FF0000"/>
               </a:solidFill>
@@ -11668,7 +11668,7 @@
           </a:p>
           <a:p>
             <a:pPr lvl="1"/>
-            <a:endParaRPr lang="en-US" dirty="0">
+            <a:endParaRPr lang="en-US" sz="2800" dirty="0">
               <a:solidFill>
                 <a:srgbClr val="FF0000"/>
               </a:solidFill>
@@ -14903,42 +14903,42 @@
           <a:lstStyle/>
           <a:p>
             <a:r>
-              <a:rPr lang="en-US" sz="3200" dirty="0"/>
+              <a:rPr lang="en-US" sz="3600" dirty="0"/>
               <a:t>The work proposes a new way to learn from </a:t>
             </a:r>
             <a:r>
-              <a:rPr lang="en-US" sz="3200" dirty="0" err="1"/>
+              <a:rPr lang="en-US" sz="3600" dirty="0" err="1"/>
               <a:t>spatio</a:t>
             </a:r>
             <a:r>
-              <a:rPr lang="en-US" sz="3200" dirty="0"/>
+              <a:rPr lang="en-US" sz="3600" dirty="0"/>
               <a:t>-temporal data and inter-region interactions with Graph Neural Networks</a:t>
             </a:r>
           </a:p>
           <a:p>
             <a:r>
-              <a:rPr lang="en-US" sz="3200" dirty="0"/>
+              <a:rPr lang="en-US" sz="3600" dirty="0"/>
               <a:t>Future works could:</a:t>
             </a:r>
           </a:p>
           <a:p>
             <a:pPr lvl="1"/>
             <a:r>
-              <a:rPr lang="en-US" sz="2000" dirty="0"/>
+              <a:rPr lang="en-US" dirty="0"/>
               <a:t>Incorporate new features</a:t>
             </a:r>
           </a:p>
           <a:p>
             <a:pPr lvl="1"/>
             <a:r>
-              <a:rPr lang="en-US" sz="2000" dirty="0"/>
+              <a:rPr lang="en-US" dirty="0"/>
               <a:t>Expand the time horizon for long term predictions</a:t>
             </a:r>
           </a:p>
           <a:p>
             <a:pPr lvl="1"/>
             <a:r>
-              <a:rPr lang="en-US" sz="2000" dirty="0"/>
+              <a:rPr lang="en-US" dirty="0"/>
               <a:t>Use data from different countries</a:t>
             </a:r>
           </a:p>
@@ -15034,24 +15034,32 @@
           <a:lstStyle/>
           <a:p>
             <a:r>
-              <a:rPr lang="en-US" dirty="0"/>
+              <a:rPr lang="en-US" sz="3600" dirty="0"/>
               <a:t>Should everyone have public access to mobility data considering that it is actually possible to anonymize it? </a:t>
             </a:r>
-          </a:p>
-          <a:p>
-            <a:r>
-              <a:rPr lang="en-US" dirty="0"/>
+            <a:br>
+              <a:rPr lang="en-US" sz="3600" dirty="0"/>
+            </a:br>
+            <a:endParaRPr lang="en-US" sz="3600" dirty="0"/>
+          </a:p>
+          <a:p>
+            <a:r>
+              <a:rPr lang="en-US" sz="3600" dirty="0"/>
               <a:t>Do you think about different fields where it could be possible to apply this approach?</a:t>
             </a:r>
-          </a:p>
-          <a:p>
-            <a:r>
-              <a:rPr lang="en-US" dirty="0"/>
+            <a:br>
+              <a:rPr lang="en-US" sz="3600" dirty="0"/>
+            </a:br>
+            <a:endParaRPr lang="en-US" sz="3600" dirty="0"/>
+          </a:p>
+          <a:p>
+            <a:r>
+              <a:rPr lang="en-US" sz="3600" dirty="0"/>
               <a:t>Would you add other features to the model? Which ones?</a:t>
             </a:r>
           </a:p>
           <a:p>
-            <a:endParaRPr lang="en-US" sz="2400" dirty="0"/>
+            <a:endParaRPr lang="en-US" sz="3200" dirty="0"/>
           </a:p>
         </p:txBody>
       </p:sp>
@@ -15157,18 +15165,22 @@
           <a:lstStyle/>
           <a:p>
             <a:r>
-              <a:rPr lang="en-US" sz="3200" dirty="0"/>
+              <a:rPr lang="en-US" sz="3600" dirty="0"/>
               <a:t>This approach could be also used in different fields (e.g. migration flows), but also to the same field but with different diseases (influenza).</a:t>
             </a:r>
-          </a:p>
-          <a:p>
-            <a:r>
-              <a:rPr lang="en-US" sz="3200" dirty="0"/>
+            <a:br>
+              <a:rPr lang="en-US" sz="3600" dirty="0"/>
+            </a:br>
+            <a:endParaRPr lang="en-US" sz="3600" dirty="0"/>
+          </a:p>
+          <a:p>
+            <a:r>
+              <a:rPr lang="en-US" sz="3600" dirty="0"/>
               <a:t>It could be interesting to add information about nonpharmaceutical interventions like social distancing and quarantine.</a:t>
             </a:r>
           </a:p>
           <a:p>
-            <a:endParaRPr lang="en-US" sz="2000" dirty="0"/>
+            <a:endParaRPr lang="en-US" sz="2400" dirty="0"/>
           </a:p>
         </p:txBody>
       </p:sp>
@@ -16533,7 +16545,7 @@
           <a:lstStyle/>
           <a:p>
             <a:r>
-              <a:rPr lang="en-US" sz="3200" b="1" dirty="0">
+              <a:rPr lang="en-US" sz="3600" b="1" dirty="0">
                 <a:solidFill>
                   <a:schemeClr val="bg2">
                     <a:lumMod val="25000"/>
@@ -16547,31 +16559,31 @@
           <a:p>
             <a:pPr lvl="1"/>
             <a:r>
-              <a:rPr lang="en-US" sz="3200" dirty="0"/>
+              <a:rPr lang="en-US" sz="3600" dirty="0"/>
               <a:t>Inter-region interactions and region-level mobility (GPS data)</a:t>
             </a:r>
           </a:p>
           <a:p>
             <a:pPr lvl="1"/>
             <a:r>
-              <a:rPr lang="en-US" sz="3200" dirty="0"/>
+              <a:rPr lang="en-US" sz="3600" dirty="0"/>
               <a:t>Temporal and spatial interactions</a:t>
             </a:r>
           </a:p>
           <a:p>
             <a:r>
-              <a:rPr lang="en-US" sz="3200" b="1" dirty="0"/>
+              <a:rPr lang="en-US" sz="3600" b="1" dirty="0"/>
               <a:t>Goal</a:t>
             </a:r>
             <a:r>
-              <a:rPr lang="it-IT" sz="3200" dirty="0"/>
+              <a:rPr lang="it-IT" sz="3600" dirty="0"/>
               <a:t>:</a:t>
             </a:r>
           </a:p>
           <a:p>
             <a:pPr lvl="1"/>
             <a:r>
-              <a:rPr lang="en-US" sz="3200" dirty="0"/>
+              <a:rPr lang="en-US" sz="3600" dirty="0"/>
               <a:t>Makes forecasts on COVID-19 new cases</a:t>
             </a:r>
           </a:p>
@@ -16913,7 +16925,7 @@
           </a:p>
           <a:p>
             <a:r>
-              <a:rPr lang="en-US" sz="2000" b="1"/>
+              <a:rPr lang="en-US" sz="2000" b="1" dirty="0"/>
               <a:t>Graph Layers</a:t>
             </a:r>
             <a:r>
@@ -17698,266 +17710,68 @@
           <a:lstStyle/>
           <a:p>
             <a:r>
+              <a:rPr lang="en-US" sz="3600" b="1" dirty="0"/>
+              <a:t>Metrics</a:t>
+            </a:r>
+          </a:p>
+          <a:p>
+            <a:pPr lvl="1"/>
+            <a:r>
+              <a:rPr lang="en-US" sz="3200" dirty="0"/>
+              <a:t>RMSLE (Root Mean Squared Logarithmic Error)</a:t>
+            </a:r>
+          </a:p>
+          <a:p>
+            <a:pPr lvl="2"/>
+            <a:r>
+              <a:rPr lang="en-US" sz="2400" dirty="0"/>
+              <a:t>Relative (%) difference between true and predicted value</a:t>
+            </a:r>
+          </a:p>
+          <a:p>
+            <a:pPr lvl="2"/>
+            <a:r>
+              <a:rPr lang="en-US" sz="2400" dirty="0"/>
+              <a:t>Penalizes underestimates more than overestimates</a:t>
+            </a:r>
+          </a:p>
+          <a:p>
+            <a:pPr lvl="2"/>
+            <a:r>
               <a:rPr lang="en-US" sz="2400" b="1" dirty="0"/>
-              <a:t>Metrics</a:t>
+              <a:t>Assumption</a:t>
+            </a:r>
+            <a:r>
+              <a:rPr lang="en-US" sz="2400" dirty="0"/>
+              <a:t>: target is normally distributed</a:t>
             </a:r>
           </a:p>
           <a:p>
             <a:pPr lvl="1"/>
             <a:r>
-              <a:rPr lang="en-US" sz="2000" dirty="0"/>
-              <a:t>RMSLE (Root Mean Squared Logarithmic Error)</a:t>
-            </a:r>
-          </a:p>
-          <a:p>
-            <a:pPr lvl="2"/>
-            <a:r>
-              <a:rPr lang="en-US" sz="1600" dirty="0"/>
-              <a:t>Relative (%) difference between true and predicted value</a:t>
-            </a:r>
-          </a:p>
-          <a:p>
-            <a:pPr lvl="2"/>
-            <a:r>
-              <a:rPr lang="en-US" sz="1600" dirty="0"/>
-              <a:t>Penalizes underestimates more than overestimates</a:t>
-            </a:r>
-          </a:p>
-          <a:p>
-            <a:pPr lvl="2"/>
-            <a:r>
-              <a:rPr lang="en-US" sz="1600" b="1" dirty="0"/>
-              <a:t>Assumption</a:t>
-            </a:r>
-            <a:r>
-              <a:rPr lang="en-US" sz="1600" dirty="0"/>
-              <a:t>: target is normally distributed</a:t>
-            </a:r>
-          </a:p>
-          <a:p>
-            <a:pPr lvl="1"/>
-            <a:r>
-              <a:rPr lang="en-US" sz="2000" dirty="0"/>
+              <a:rPr lang="en-US" sz="3200" dirty="0"/>
               <a:t>Pearson Correlation</a:t>
             </a:r>
           </a:p>
           <a:p>
             <a:r>
-              <a:rPr lang="en-US" sz="2000" b="1" dirty="0"/>
+              <a:rPr lang="en-US" sz="3200" b="1" dirty="0"/>
               <a:t>Prediction</a:t>
             </a:r>
             <a:r>
-              <a:rPr lang="en-US" sz="2000" dirty="0"/>
+              <a:rPr lang="en-US" sz="3200" dirty="0"/>
               <a:t>: sum of predicted delta and previous day’s cases.</a:t>
             </a:r>
           </a:p>
           <a:p>
             <a:r>
-              <a:rPr lang="en-US" sz="2000" dirty="0"/>
+              <a:rPr lang="en-US" sz="3200" dirty="0"/>
               <a:t>Metrics also calculated for case deltas.</a:t>
             </a:r>
-          </a:p>
-          <a:p>
-            <a:pPr marL="0" indent="0">
-              <a:buNone/>
-            </a:pPr>
-            <a:endParaRPr lang="en-US" sz="2000" dirty="0"/>
-          </a:p>
-          <a:p>
-            <a:pPr lvl="1"/>
-            <a:endParaRPr lang="en-US" sz="2000" dirty="0"/>
-          </a:p>
-          <a:p>
-            <a:endParaRPr lang="en-US" sz="2400" dirty="0"/>
+            <a:endParaRPr lang="en-US" sz="3600" dirty="0"/>
           </a:p>
         </p:txBody>
       </p:sp>
-      <p:graphicFrame>
-        <p:nvGraphicFramePr>
-          <p:cNvPr id="3" name="Tabella 3">
-            <a:extLst>
-              <a:ext uri="{FF2B5EF4-FFF2-40B4-BE49-F238E27FC236}">
-                <a16:creationId xmlns:a16="http://schemas.microsoft.com/office/drawing/2014/main" id="{9DF506D0-9709-40C3-AE35-9A0FBB2624C3}"/>
-              </a:ext>
-            </a:extLst>
-          </p:cNvPr>
-          <p:cNvGraphicFramePr>
-            <a:graphicFrameLocks noGrp="1"/>
-          </p:cNvGraphicFramePr>
-          <p:nvPr>
-            <p:extLst>
-              <p:ext uri="{D42A27DB-BD31-4B8C-83A1-F6EECF244321}">
-                <p14:modId xmlns:p14="http://schemas.microsoft.com/office/powerpoint/2010/main" val="2731196045"/>
-              </p:ext>
-            </p:extLst>
-          </p:nvPr>
-        </p:nvGraphicFramePr>
-        <p:xfrm>
-          <a:off x="2032000" y="4796472"/>
-          <a:ext cx="8128000" cy="741680"/>
-        </p:xfrm>
-        <a:graphic>
-          <a:graphicData uri="http://schemas.openxmlformats.org/drawingml/2006/table">
-            <a:tbl>
-              <a:tblPr firstRow="1" bandRow="1">
-                <a:tableStyleId>{5C22544A-7EE6-4342-B048-85BDC9FD1C3A}</a:tableStyleId>
-              </a:tblPr>
-              <a:tblGrid>
-                <a:gridCol w="2032000">
-                  <a:extLst>
-                    <a:ext uri="{9D8B030D-6E8A-4147-A177-3AD203B41FA5}">
-                      <a16:colId xmlns:a16="http://schemas.microsoft.com/office/drawing/2014/main" val="1505624787"/>
-                    </a:ext>
-                  </a:extLst>
-                </a:gridCol>
-                <a:gridCol w="2032000">
-                  <a:extLst>
-                    <a:ext uri="{9D8B030D-6E8A-4147-A177-3AD203B41FA5}">
-                      <a16:colId xmlns:a16="http://schemas.microsoft.com/office/drawing/2014/main" val="3211627294"/>
-                    </a:ext>
-                  </a:extLst>
-                </a:gridCol>
-                <a:gridCol w="2032000">
-                  <a:extLst>
-                    <a:ext uri="{9D8B030D-6E8A-4147-A177-3AD203B41FA5}">
-                      <a16:colId xmlns:a16="http://schemas.microsoft.com/office/drawing/2014/main" val="2682881881"/>
-                    </a:ext>
-                  </a:extLst>
-                </a:gridCol>
-                <a:gridCol w="2032000">
-                  <a:extLst>
-                    <a:ext uri="{9D8B030D-6E8A-4147-A177-3AD203B41FA5}">
-                      <a16:colId xmlns:a16="http://schemas.microsoft.com/office/drawing/2014/main" val="1431880447"/>
-                    </a:ext>
-                  </a:extLst>
-                </a:gridCol>
-              </a:tblGrid>
-              <a:tr h="370840">
-                <a:tc>
-                  <a:txBody>
-                    <a:bodyPr/>
-                    <a:lstStyle/>
-                    <a:p>
-                      <a:r>
-                        <a:rPr lang="it-IT" dirty="0"/>
-                        <a:t>RMSLE</a:t>
-                      </a:r>
-                    </a:p>
-                  </a:txBody>
-                  <a:tcPr/>
-                </a:tc>
-                <a:tc>
-                  <a:txBody>
-                    <a:bodyPr/>
-                    <a:lstStyle/>
-                    <a:p>
-                      <a:r>
-                        <a:rPr lang="it-IT" dirty="0" err="1"/>
-                        <a:t>Corr</a:t>
-                      </a:r>
-                      <a:endParaRPr lang="it-IT" dirty="0"/>
-                    </a:p>
-                  </a:txBody>
-                  <a:tcPr/>
-                </a:tc>
-                <a:tc>
-                  <a:txBody>
-                    <a:bodyPr/>
-                    <a:lstStyle/>
-                    <a:p>
-                      <a:r>
-                        <a:rPr lang="it-IT" dirty="0">
-                          <a:latin typeface="DengXian" panose="02010600030101010101" pitchFamily="2" charset="-122"/>
-                          <a:ea typeface="DengXian" panose="02010600030101010101" pitchFamily="2" charset="-122"/>
-                        </a:rPr>
-                        <a:t>Δ </a:t>
-                      </a:r>
-                      <a:r>
-                        <a:rPr lang="it-IT" dirty="0"/>
-                        <a:t>RSMLE</a:t>
-                      </a:r>
-                    </a:p>
-                  </a:txBody>
-                  <a:tcPr/>
-                </a:tc>
-                <a:tc>
-                  <a:txBody>
-                    <a:bodyPr/>
-                    <a:lstStyle/>
-                    <a:p>
-                      <a:r>
-                        <a:rPr lang="it-IT" dirty="0">
-                          <a:latin typeface="DengXian" panose="02010600030101010101" pitchFamily="2" charset="-122"/>
-                          <a:ea typeface="DengXian" panose="02010600030101010101" pitchFamily="2" charset="-122"/>
-                        </a:rPr>
-                        <a:t>Δ </a:t>
-                      </a:r>
-                      <a:r>
-                        <a:rPr lang="it-IT" dirty="0" err="1"/>
-                        <a:t>Corr</a:t>
-                      </a:r>
-                      <a:endParaRPr lang="it-IT" dirty="0"/>
-                    </a:p>
-                  </a:txBody>
-                  <a:tcPr/>
-                </a:tc>
-                <a:extLst>
-                  <a:ext uri="{0D108BD9-81ED-4DB2-BD59-A6C34878D82A}">
-                    <a16:rowId xmlns:a16="http://schemas.microsoft.com/office/drawing/2014/main" val="688986308"/>
-                  </a:ext>
-                </a:extLst>
-              </a:tr>
-              <a:tr h="370840">
-                <a:tc>
-                  <a:txBody>
-                    <a:bodyPr/>
-                    <a:lstStyle/>
-                    <a:p>
-                      <a:endParaRPr lang="it-IT" dirty="0"/>
-                    </a:p>
-                  </a:txBody>
-                  <a:tcPr/>
-                </a:tc>
-                <a:tc>
-                  <a:txBody>
-                    <a:bodyPr/>
-                    <a:lstStyle/>
-                    <a:p>
-                      <a:endParaRPr lang="it-IT"/>
-                    </a:p>
-                  </a:txBody>
-                  <a:tcPr/>
-                </a:tc>
-                <a:tc>
-                  <a:txBody>
-                    <a:bodyPr/>
-                    <a:lstStyle/>
-                    <a:p>
-                      <a:endParaRPr lang="it-IT" dirty="0"/>
-                    </a:p>
-                  </a:txBody>
-                  <a:tcPr/>
-                </a:tc>
-                <a:tc>
-                  <a:txBody>
-                    <a:bodyPr/>
-                    <a:lstStyle/>
-                    <a:p>
-                      <a:endParaRPr lang="it-IT" dirty="0"/>
-                    </a:p>
-                  </a:txBody>
-                  <a:tcPr/>
-                </a:tc>
-                <a:extLst>
-                  <a:ext uri="{0D108BD9-81ED-4DB2-BD59-A6C34878D82A}">
-                    <a16:rowId xmlns:a16="http://schemas.microsoft.com/office/drawing/2014/main" val="3638111341"/>
-                  </a:ext>
-                </a:extLst>
-              </a:tr>
-            </a:tbl>
-          </a:graphicData>
-        </a:graphic>
-      </p:graphicFrame>
     </p:spTree>
     <p:extLst>
       <p:ext uri="{BB962C8B-B14F-4D97-AF65-F5344CB8AC3E}">

--- a/2021-Raffaele_Francesco_Barbagallo-COVID_19_Forecasting_GNN.pptx
+++ b/2021-Raffaele_Francesco_Barbagallo-COVID_19_Forecasting_GNN.pptx
@@ -11627,7 +11627,24 @@
             </a:r>
             <a:r>
               <a:rPr lang="en-US" sz="3200" dirty="0"/>
-              <a:t>: each node contains data about state, county, day, past cases and past deaths. </a:t>
+              <a:t>: each node contains data about state, county, day, past cases and past deaths.</a:t>
+            </a:r>
+            <a:br>
+              <a:rPr lang="en-US" sz="3200" dirty="0"/>
+            </a:br>
+            <a:r>
+              <a:rPr lang="en-US" sz="3200" dirty="0"/>
+              <a:t> </a:t>
+            </a:r>
+          </a:p>
+          <a:p>
+            <a:r>
+              <a:rPr lang="en-US" sz="3200" b="1" dirty="0"/>
+              <a:t>Community mobility reports: </a:t>
+            </a:r>
+            <a:r>
+              <a:rPr lang="en-US" sz="3200" dirty="0"/>
+              <a:t>trends at various categories of places aggregated at the county (node) level. </a:t>
             </a:r>
             <a:br>
               <a:rPr lang="en-US" sz="3200" dirty="0"/>
@@ -11643,23 +11660,6 @@
               <a:rPr lang="en-US" sz="3200" dirty="0"/>
               <a:t> edges that contain information about the flow between counties and between states.</a:t>
             </a:r>
-            <a:br>
-              <a:rPr lang="en-US" sz="3200" dirty="0"/>
-            </a:br>
-            <a:endParaRPr lang="en-US" sz="3200" dirty="0"/>
-          </a:p>
-          <a:p>
-            <a:r>
-              <a:rPr lang="en-US" sz="3200" b="1" dirty="0"/>
-              <a:t>Community mobility reports: </a:t>
-            </a:r>
-            <a:r>
-              <a:rPr lang="en-US" sz="3200" dirty="0"/>
-              <a:t>trends at various categories of places aggregated at the county (node) level. </a:t>
-            </a:r>
-          </a:p>
-          <a:p>
-            <a:pPr lvl="1"/>
             <a:endParaRPr lang="en-US" sz="2800" dirty="0">
               <a:solidFill>
                 <a:srgbClr val="FF0000"/>

--- a/2021-Raffaele_Francesco_Barbagallo-COVID_19_Forecasting_GNN.pptx
+++ b/2021-Raffaele_Francesco_Barbagallo-COVID_19_Forecasting_GNN.pptx
@@ -11520,7 +11520,7 @@
               <a:rPr lang="en-GB" noProof="0" dirty="0">
                 <a:latin typeface="Montserrat" panose="020F0502020204030204" pitchFamily="2" charset="0"/>
               </a:rPr>
-              <a:t>Presenters: </a:t>
+              <a:t>Presenter: </a:t>
             </a:r>
           </a:p>
           <a:p>
